--- a/doc/CapstoneProejct.pptx
+++ b/doc/CapstoneProejct.pptx
@@ -5,11 +5,12 @@
     <p:sldMasterId id="2147483648" r:id="rId1"/>
   </p:sldMasterIdLst>
   <p:notesMasterIdLst>
-    <p:notesMasterId r:id="rId4"/>
+    <p:notesMasterId r:id="rId5"/>
   </p:notesMasterIdLst>
   <p:sldIdLst>
     <p:sldId id="256" r:id="rId2"/>
     <p:sldId id="257" r:id="rId3"/>
+    <p:sldId id="258" r:id="rId4"/>
   </p:sldIdLst>
   <p:sldSz cx="12192000" cy="6858000"/>
   <p:notesSz cx="6858000" cy="9144000"/>
@@ -108,6 +109,11 @@
       </a:defRPr>
     </a:lvl9pPr>
   </p:defaultTextStyle>
+  <p:extLst>
+    <p:ext uri="{EFAFB233-063F-42B5-8137-9DF3F51BA10A}">
+      <p15:sldGuideLst xmlns:p15="http://schemas.microsoft.com/office/powerpoint/2012/main"/>
+    </p:ext>
+  </p:extLst>
 </p:presentation>
 </file>
 
@@ -193,7 +199,7 @@
           <a:p>
             <a:fld id="{8C9AF8CC-2DAC-9C46-81BD-89D6E2372B95}" type="datetimeFigureOut">
               <a:rPr lang="en-US" smtClean="0"/>
-              <a:t>5/9/16</a:t>
+              <a:t>5/10/16</a:t>
             </a:fld>
             <a:endParaRPr lang="en-US"/>
           </a:p>
@@ -760,7 +766,7 @@
           <a:p>
             <a:fld id="{91A8B8C9-C561-C944-B652-4806D23BA407}" type="datetimeFigureOut">
               <a:rPr lang="en-US" smtClean="0"/>
-              <a:t>5/9/16</a:t>
+              <a:t>5/10/16</a:t>
             </a:fld>
             <a:endParaRPr lang="en-US"/>
           </a:p>
@@ -930,7 +936,7 @@
           <a:p>
             <a:fld id="{91A8B8C9-C561-C944-B652-4806D23BA407}" type="datetimeFigureOut">
               <a:rPr lang="en-US" smtClean="0"/>
-              <a:t>5/9/16</a:t>
+              <a:t>5/10/16</a:t>
             </a:fld>
             <a:endParaRPr lang="en-US"/>
           </a:p>
@@ -1110,7 +1116,7 @@
           <a:p>
             <a:fld id="{91A8B8C9-C561-C944-B652-4806D23BA407}" type="datetimeFigureOut">
               <a:rPr lang="en-US" smtClean="0"/>
-              <a:t>5/9/16</a:t>
+              <a:t>5/10/16</a:t>
             </a:fld>
             <a:endParaRPr lang="en-US"/>
           </a:p>
@@ -1280,7 +1286,7 @@
           <a:p>
             <a:fld id="{91A8B8C9-C561-C944-B652-4806D23BA407}" type="datetimeFigureOut">
               <a:rPr lang="en-US" smtClean="0"/>
-              <a:t>5/9/16</a:t>
+              <a:t>5/10/16</a:t>
             </a:fld>
             <a:endParaRPr lang="en-US"/>
           </a:p>
@@ -1526,7 +1532,7 @@
           <a:p>
             <a:fld id="{91A8B8C9-C561-C944-B652-4806D23BA407}" type="datetimeFigureOut">
               <a:rPr lang="en-US" smtClean="0"/>
-              <a:t>5/9/16</a:t>
+              <a:t>5/10/16</a:t>
             </a:fld>
             <a:endParaRPr lang="en-US"/>
           </a:p>
@@ -1758,7 +1764,7 @@
           <a:p>
             <a:fld id="{91A8B8C9-C561-C944-B652-4806D23BA407}" type="datetimeFigureOut">
               <a:rPr lang="en-US" smtClean="0"/>
-              <a:t>5/9/16</a:t>
+              <a:t>5/10/16</a:t>
             </a:fld>
             <a:endParaRPr lang="en-US"/>
           </a:p>
@@ -2125,7 +2131,7 @@
           <a:p>
             <a:fld id="{91A8B8C9-C561-C944-B652-4806D23BA407}" type="datetimeFigureOut">
               <a:rPr lang="en-US" smtClean="0"/>
-              <a:t>5/9/16</a:t>
+              <a:t>5/10/16</a:t>
             </a:fld>
             <a:endParaRPr lang="en-US"/>
           </a:p>
@@ -2243,7 +2249,7 @@
           <a:p>
             <a:fld id="{91A8B8C9-C561-C944-B652-4806D23BA407}" type="datetimeFigureOut">
               <a:rPr lang="en-US" smtClean="0"/>
-              <a:t>5/9/16</a:t>
+              <a:t>5/10/16</a:t>
             </a:fld>
             <a:endParaRPr lang="en-US"/>
           </a:p>
@@ -2338,7 +2344,7 @@
           <a:p>
             <a:fld id="{91A8B8C9-C561-C944-B652-4806D23BA407}" type="datetimeFigureOut">
               <a:rPr lang="en-US" smtClean="0"/>
-              <a:t>5/9/16</a:t>
+              <a:t>5/10/16</a:t>
             </a:fld>
             <a:endParaRPr lang="en-US"/>
           </a:p>
@@ -2615,7 +2621,7 @@
           <a:p>
             <a:fld id="{91A8B8C9-C561-C944-B652-4806D23BA407}" type="datetimeFigureOut">
               <a:rPr lang="en-US" smtClean="0"/>
-              <a:t>5/9/16</a:t>
+              <a:t>5/10/16</a:t>
             </a:fld>
             <a:endParaRPr lang="en-US"/>
           </a:p>
@@ -2868,7 +2874,7 @@
           <a:p>
             <a:fld id="{91A8B8C9-C561-C944-B652-4806D23BA407}" type="datetimeFigureOut">
               <a:rPr lang="en-US" smtClean="0"/>
-              <a:t>5/9/16</a:t>
+              <a:t>5/10/16</a:t>
             </a:fld>
             <a:endParaRPr lang="en-US"/>
           </a:p>
@@ -3081,7 +3087,7 @@
           <a:p>
             <a:fld id="{91A8B8C9-C561-C944-B652-4806D23BA407}" type="datetimeFigureOut">
               <a:rPr lang="en-US" smtClean="0"/>
-              <a:t>5/9/16</a:t>
+              <a:t>5/10/16</a:t>
             </a:fld>
             <a:endParaRPr lang="en-US"/>
           </a:p>
@@ -4002,6 +4008,128 @@
       </p:par>
     </p:tnLst>
   </p:timing>
+</p:sld>
+</file>
+
+<file path=ppt/slides/slide3.xml><?xml version="1.0" encoding="utf-8"?>
+<p:sld xmlns:a="http://schemas.openxmlformats.org/drawingml/2006/main" xmlns:r="http://schemas.openxmlformats.org/officeDocument/2006/relationships" xmlns:p="http://schemas.openxmlformats.org/presentationml/2006/main">
+  <p:cSld>
+    <p:spTree>
+      <p:nvGrpSpPr>
+        <p:cNvPr id="1" name=""/>
+        <p:cNvGrpSpPr/>
+        <p:nvPr/>
+      </p:nvGrpSpPr>
+      <p:grpSpPr>
+        <a:xfrm>
+          <a:off x="0" y="0"/>
+          <a:ext cx="0" cy="0"/>
+          <a:chOff x="0" y="0"/>
+          <a:chExt cx="0" cy="0"/>
+        </a:xfrm>
+      </p:grpSpPr>
+      <p:sp>
+        <p:nvSpPr>
+          <p:cNvPr id="4" name="TextBox 3"/>
+          <p:cNvSpPr txBox="1"/>
+          <p:nvPr/>
+        </p:nvSpPr>
+        <p:spPr>
+          <a:xfrm>
+            <a:off x="322729" y="370620"/>
+            <a:ext cx="8871083" cy="2585323"/>
+          </a:xfrm>
+          <a:prstGeom prst="rect">
+            <a:avLst/>
+          </a:prstGeom>
+          <a:noFill/>
+        </p:spPr>
+        <p:txBody>
+          <a:bodyPr wrap="none" rtlCol="0">
+            <a:spAutoFit/>
+          </a:bodyPr>
+          <a:lstStyle/>
+          <a:p>
+            <a:r>
+              <a:rPr lang="en-US" dirty="0" smtClean="0"/>
+              <a:t>Question:</a:t>
+            </a:r>
+          </a:p>
+          <a:p>
+            <a:endParaRPr lang="en-US" dirty="0" smtClean="0"/>
+          </a:p>
+          <a:p>
+            <a:r>
+              <a:rPr lang="en-US" dirty="0" smtClean="0"/>
+              <a:t>1. </a:t>
+            </a:r>
+            <a:r>
+              <a:rPr lang="en-US" dirty="0"/>
+              <a:t>are we required to design all the classes initially or we can start with few and and to-dos </a:t>
+            </a:r>
+            <a:r>
+              <a:rPr lang="en-US" dirty="0" smtClean="0"/>
+              <a:t>?</a:t>
+            </a:r>
+            <a:endParaRPr lang="en-US" i="1" dirty="0"/>
+          </a:p>
+          <a:p>
+            <a:endParaRPr lang="en-US" dirty="0" smtClean="0"/>
+          </a:p>
+          <a:p>
+            <a:r>
+              <a:rPr lang="en-US" dirty="0" smtClean="0"/>
+              <a:t>2. </a:t>
+            </a:r>
+            <a:r>
+              <a:rPr lang="en-US" dirty="0"/>
+              <a:t>can we have a sample of pre submitted project so we use it and update on it </a:t>
+            </a:r>
+            <a:r>
+              <a:rPr lang="en-US" dirty="0" smtClean="0"/>
+              <a:t>?</a:t>
+            </a:r>
+            <a:endParaRPr lang="en-US" i="1" dirty="0"/>
+          </a:p>
+          <a:p>
+            <a:endParaRPr lang="en-US" dirty="0" smtClean="0"/>
+          </a:p>
+          <a:p>
+            <a:r>
+              <a:rPr lang="en-US" dirty="0" smtClean="0"/>
+              <a:t>3. </a:t>
+            </a:r>
+            <a:r>
+              <a:rPr lang="en-US" dirty="0"/>
+              <a:t>if we are going to implement an idea that include hardware, can he help us getting them ?</a:t>
+            </a:r>
+          </a:p>
+          <a:p>
+            <a:endParaRPr lang="en-US" i="1" dirty="0"/>
+          </a:p>
+          <a:p>
+            <a:r>
+              <a:rPr lang="en-US" smtClean="0"/>
+              <a:t>4. </a:t>
+            </a:r>
+            <a:r>
+              <a:rPr lang="en-US" dirty="0"/>
+              <a:t>if we implemented a new idea , how we can protect it ?</a:t>
+            </a:r>
+            <a:endParaRPr lang="en-US" dirty="0"/>
+          </a:p>
+        </p:txBody>
+      </p:sp>
+    </p:spTree>
+    <p:extLst>
+      <p:ext uri="{BB962C8B-B14F-4D97-AF65-F5344CB8AC3E}">
+        <p14:creationId xmlns:p14="http://schemas.microsoft.com/office/powerpoint/2010/main" val="722698951"/>
+      </p:ext>
+    </p:extLst>
+  </p:cSld>
+  <p:clrMapOvr>
+    <a:masterClrMapping/>
+  </p:clrMapOvr>
 </p:sld>
 </file>
 
